--- a/Intro_R_2019.pptx
+++ b/Intro_R_2019.pptx
@@ -240,7 +240,7 @@
           <a:p>
             <a:fld id="{364E1285-EC16-44C2-ACF2-ACD5F72C550A}" type="datetimeFigureOut">
               <a:rPr lang="en-GB" smtClean="0"/>
-              <a:t>13/05/2019</a:t>
+              <a:t>14/05/2019</a:t>
             </a:fld>
             <a:endParaRPr lang="en-GB"/>
           </a:p>
@@ -723,7 +723,7 @@
           <a:p>
             <a:fld id="{5FF001B5-BA5A-41FF-9507-1736C1DAB415}" type="datetimeFigureOut">
               <a:rPr lang="en-GB" smtClean="0"/>
-              <a:t>13/05/2019</a:t>
+              <a:t>14/05/2019</a:t>
             </a:fld>
             <a:endParaRPr lang="en-GB"/>
           </a:p>
@@ -893,7 +893,7 @@
           <a:p>
             <a:fld id="{5FF001B5-BA5A-41FF-9507-1736C1DAB415}" type="datetimeFigureOut">
               <a:rPr lang="en-GB" smtClean="0"/>
-              <a:t>13/05/2019</a:t>
+              <a:t>14/05/2019</a:t>
             </a:fld>
             <a:endParaRPr lang="en-GB"/>
           </a:p>
@@ -1073,7 +1073,7 @@
           <a:p>
             <a:fld id="{5FF001B5-BA5A-41FF-9507-1736C1DAB415}" type="datetimeFigureOut">
               <a:rPr lang="en-GB" smtClean="0"/>
-              <a:t>13/05/2019</a:t>
+              <a:t>14/05/2019</a:t>
             </a:fld>
             <a:endParaRPr lang="en-GB"/>
           </a:p>
@@ -1243,7 +1243,7 @@
           <a:p>
             <a:fld id="{5FF001B5-BA5A-41FF-9507-1736C1DAB415}" type="datetimeFigureOut">
               <a:rPr lang="en-GB" smtClean="0"/>
-              <a:t>13/05/2019</a:t>
+              <a:t>14/05/2019</a:t>
             </a:fld>
             <a:endParaRPr lang="en-GB"/>
           </a:p>
@@ -1487,7 +1487,7 @@
           <a:p>
             <a:fld id="{5FF001B5-BA5A-41FF-9507-1736C1DAB415}" type="datetimeFigureOut">
               <a:rPr lang="en-GB" smtClean="0"/>
-              <a:t>13/05/2019</a:t>
+              <a:t>14/05/2019</a:t>
             </a:fld>
             <a:endParaRPr lang="en-GB"/>
           </a:p>
@@ -1719,7 +1719,7 @@
           <a:p>
             <a:fld id="{5FF001B5-BA5A-41FF-9507-1736C1DAB415}" type="datetimeFigureOut">
               <a:rPr lang="en-GB" smtClean="0"/>
-              <a:t>13/05/2019</a:t>
+              <a:t>14/05/2019</a:t>
             </a:fld>
             <a:endParaRPr lang="en-GB"/>
           </a:p>
@@ -2086,7 +2086,7 @@
           <a:p>
             <a:fld id="{5FF001B5-BA5A-41FF-9507-1736C1DAB415}" type="datetimeFigureOut">
               <a:rPr lang="en-GB" smtClean="0"/>
-              <a:t>13/05/2019</a:t>
+              <a:t>14/05/2019</a:t>
             </a:fld>
             <a:endParaRPr lang="en-GB"/>
           </a:p>
@@ -2204,7 +2204,7 @@
           <a:p>
             <a:fld id="{5FF001B5-BA5A-41FF-9507-1736C1DAB415}" type="datetimeFigureOut">
               <a:rPr lang="en-GB" smtClean="0"/>
-              <a:t>13/05/2019</a:t>
+              <a:t>14/05/2019</a:t>
             </a:fld>
             <a:endParaRPr lang="en-GB"/>
           </a:p>
@@ -2299,7 +2299,7 @@
           <a:p>
             <a:fld id="{5FF001B5-BA5A-41FF-9507-1736C1DAB415}" type="datetimeFigureOut">
               <a:rPr lang="en-GB" smtClean="0"/>
-              <a:t>13/05/2019</a:t>
+              <a:t>14/05/2019</a:t>
             </a:fld>
             <a:endParaRPr lang="en-GB"/>
           </a:p>
@@ -2576,7 +2576,7 @@
           <a:p>
             <a:fld id="{5FF001B5-BA5A-41FF-9507-1736C1DAB415}" type="datetimeFigureOut">
               <a:rPr lang="en-GB" smtClean="0"/>
-              <a:t>13/05/2019</a:t>
+              <a:t>14/05/2019</a:t>
             </a:fld>
             <a:endParaRPr lang="en-GB"/>
           </a:p>
@@ -2833,7 +2833,7 @@
           <a:p>
             <a:fld id="{5FF001B5-BA5A-41FF-9507-1736C1DAB415}" type="datetimeFigureOut">
               <a:rPr lang="en-GB" smtClean="0"/>
-              <a:t>13/05/2019</a:t>
+              <a:t>14/05/2019</a:t>
             </a:fld>
             <a:endParaRPr lang="en-GB"/>
           </a:p>
@@ -3046,7 +3046,7 @@
           <a:p>
             <a:fld id="{5FF001B5-BA5A-41FF-9507-1736C1DAB415}" type="datetimeFigureOut">
               <a:rPr lang="en-GB" smtClean="0"/>
-              <a:t>13/05/2019</a:t>
+              <a:t>14/05/2019</a:t>
             </a:fld>
             <a:endParaRPr lang="en-GB"/>
           </a:p>
@@ -3500,7 +3500,15 @@
                   <a:schemeClr val="tx1"/>
                 </a:solidFill>
               </a:rPr>
-              <a:t>Natalia Levshina © 2018</a:t>
+              <a:t>Natalia Levshina </a:t>
+            </a:r>
+            <a:r>
+              <a:rPr lang="en-US" sz="2800">
+                <a:solidFill>
+                  <a:schemeClr val="tx1"/>
+                </a:solidFill>
+              </a:rPr>
+              <a:t>© 2019</a:t>
             </a:r>
             <a:endParaRPr lang="fr-BE" sz="2800" dirty="0">
               <a:solidFill>
